--- a/presentation/ss-proto.pptx
+++ b/presentation/ss-proto.pptx
@@ -5,7 +5,7 @@
     <p:sldMasterId id="2147483660" r:id="rId1"/>
   </p:sldMasterIdLst>
   <p:notesMasterIdLst>
-    <p:notesMasterId r:id="rId38"/>
+    <p:notesMasterId r:id="rId39"/>
   </p:notesMasterIdLst>
   <p:sldIdLst>
     <p:sldId id="256" r:id="rId2"/>
@@ -43,45 +43,46 @@
     <p:sldId id="290" r:id="rId34"/>
     <p:sldId id="291" r:id="rId35"/>
     <p:sldId id="292" r:id="rId36"/>
-    <p:sldId id="293" r:id="rId37"/>
+    <p:sldId id="294" r:id="rId37"/>
+    <p:sldId id="293" r:id="rId38"/>
   </p:sldIdLst>
   <p:sldSz cx="9144000" cy="6858000" type="screen4x3"/>
   <p:notesSz cx="6858000" cy="9144000"/>
   <p:embeddedFontLst>
     <p:embeddedFont>
-      <p:font typeface="Open Sans Condensed" pitchFamily="34" charset="0"/>
-      <p:bold r:id="rId39"/>
+      <p:font typeface="Century Gothic" pitchFamily="34" charset="0"/>
+      <p:regular r:id="rId40"/>
+      <p:bold r:id="rId41"/>
+      <p:italic r:id="rId42"/>
+      <p:boldItalic r:id="rId43"/>
     </p:embeddedFont>
     <p:embeddedFont>
       <p:font typeface="Open Sans Condensed Light" pitchFamily="34" charset="0"/>
-      <p:regular r:id="rId40"/>
-      <p:italic r:id="rId41"/>
+      <p:regular r:id="rId44"/>
+      <p:italic r:id="rId45"/>
+    </p:embeddedFont>
+    <p:embeddedFont>
+      <p:font typeface="Calibri" pitchFamily="34" charset="0"/>
+      <p:regular r:id="rId46"/>
+      <p:bold r:id="rId47"/>
+      <p:italic r:id="rId48"/>
+      <p:boldItalic r:id="rId49"/>
     </p:embeddedFont>
     <p:embeddedFont>
       <p:font typeface="Lato" pitchFamily="34" charset="0"/>
-      <p:regular r:id="rId42"/>
-      <p:bold r:id="rId43"/>
-      <p:italic r:id="rId44"/>
+      <p:regular r:id="rId50"/>
+      <p:bold r:id="rId51"/>
+      <p:italic r:id="rId52"/>
     </p:embeddedFont>
     <p:embeddedFont>
       <p:font typeface="Roboto Condensed" pitchFamily="2" charset="0"/>
-      <p:regular r:id="rId45"/>
-      <p:bold r:id="rId46"/>
-      <p:italic r:id="rId47"/>
+      <p:regular r:id="rId53"/>
+      <p:bold r:id="rId54"/>
+      <p:italic r:id="rId55"/>
     </p:embeddedFont>
     <p:embeddedFont>
-      <p:font typeface="Century Gothic" pitchFamily="34" charset="0"/>
-      <p:regular r:id="rId48"/>
-      <p:bold r:id="rId49"/>
-      <p:italic r:id="rId50"/>
-      <p:boldItalic r:id="rId51"/>
-    </p:embeddedFont>
-    <p:embeddedFont>
-      <p:font typeface="Calibri" pitchFamily="34" charset="0"/>
-      <p:regular r:id="rId52"/>
-      <p:bold r:id="rId53"/>
-      <p:italic r:id="rId54"/>
-      <p:boldItalic r:id="rId55"/>
+      <p:font typeface="Open Sans Condensed" pitchFamily="34" charset="0"/>
+      <p:bold r:id="rId56"/>
     </p:embeddedFont>
   </p:embeddedFontLst>
   <p:defaultTextStyle>
@@ -180,6 +181,49 @@
     </a:lvl9pPr>
   </p:defaultTextStyle>
 </p:presentation>
+</file>
+
+<file path=ppt/commentAuthors.xml><?xml version="1.0" encoding="utf-8"?>
+<p:cmAuthorLst xmlns:a="http://schemas.openxmlformats.org/drawingml/2006/main" xmlns:r="http://schemas.openxmlformats.org/officeDocument/2006/relationships" xmlns:p="http://schemas.openxmlformats.org/presentationml/2006/main">
+  <p:cmAuthor id="0" name="Mülhaupt, Mike" initials="Mü" lastIdx="4" clrIdx="0"/>
+</p:cmAuthorLst>
+</file>
+
+<file path=ppt/comments/comment1.xml><?xml version="1.0" encoding="utf-8"?>
+<p:cmLst xmlns:a="http://schemas.openxmlformats.org/drawingml/2006/main" xmlns:r="http://schemas.openxmlformats.org/officeDocument/2006/relationships" xmlns:p="http://schemas.openxmlformats.org/presentationml/2006/main">
+  <p:cm authorId="0" dt="2013-11-08T14:17:55.552" idx="1">
+    <p:pos x="4728" y="1706"/>
+    <p:text>zugriff zu klein</p:text>
+  </p:cm>
+</p:cmLst>
+</file>
+
+<file path=ppt/comments/comment2.xml><?xml version="1.0" encoding="utf-8"?>
+<p:cmLst xmlns:a="http://schemas.openxmlformats.org/drawingml/2006/main" xmlns:r="http://schemas.openxmlformats.org/officeDocument/2006/relationships" xmlns:p="http://schemas.openxmlformats.org/presentationml/2006/main">
+  <p:cm authorId="0" dt="2013-11-08T14:24:25.616" idx="2">
+    <p:pos x="10" y="10"/>
+    <p:text>ANr ergänzen
+Skihose durchgängig</p:text>
+  </p:cm>
+</p:cmLst>
+</file>
+
+<file path=ppt/comments/comment3.xml><?xml version="1.0" encoding="utf-8"?>
+<p:cmLst xmlns:a="http://schemas.openxmlformats.org/drawingml/2006/main" xmlns:r="http://schemas.openxmlformats.org/officeDocument/2006/relationships" xmlns:p="http://schemas.openxmlformats.org/presentationml/2006/main">
+  <p:cm authorId="0" dt="2013-11-08T14:26:25.344" idx="4">
+    <p:pos x="10" y="10"/>
+    <p:text>layout!</p:text>
+  </p:cm>
+</p:cmLst>
+</file>
+
+<file path=ppt/comments/comment4.xml><?xml version="1.0" encoding="utf-8"?>
+<p:cmLst xmlns:a="http://schemas.openxmlformats.org/drawingml/2006/main" xmlns:r="http://schemas.openxmlformats.org/officeDocument/2006/relationships" xmlns:p="http://schemas.openxmlformats.org/presentationml/2006/main">
+  <p:cm authorId="0" dt="2013-11-08T14:24:38.802" idx="3">
+    <p:pos x="10" y="10"/>
+    <p:text>Auf andere Länder ausweiten</p:text>
+  </p:cm>
+</p:cmLst>
 </file>
 
 <file path=ppt/diagrams/colors1.xml><?xml version="1.0" encoding="utf-8"?>
@@ -3169,7 +3213,7 @@
         <a:p>
           <a:r>
             <a:rPr lang="de-DE" dirty="0" smtClean="0"/>
-            <a:t>Einkaufswagen bearbeiten</a:t>
+            <a:t>Einkaufen</a:t>
           </a:r>
           <a:endParaRPr lang="de-DE" dirty="0"/>
         </a:p>
@@ -4101,12 +4145,12 @@
         </a:fontRef>
       </dsp:style>
       <dsp:txBody>
-        <a:bodyPr spcFirstLastPara="0" vert="horz" wrap="square" lIns="88011" tIns="29337" rIns="29337" bIns="29337" numCol="1" spcCol="1270" anchor="ctr" anchorCtr="0">
+        <a:bodyPr spcFirstLastPara="0" vert="horz" wrap="square" lIns="108014" tIns="36005" rIns="36005" bIns="36005" numCol="1" spcCol="1270" anchor="ctr" anchorCtr="0">
           <a:noAutofit/>
         </a:bodyPr>
         <a:lstStyle/>
         <a:p>
-          <a:pPr lvl="0" algn="ctr" defTabSz="977900">
+          <a:pPr lvl="0" algn="ctr" defTabSz="1200150">
             <a:lnSpc>
               <a:spcPct val="90000"/>
             </a:lnSpc>
@@ -4118,10 +4162,10 @@
             </a:spcAft>
           </a:pPr>
           <a:r>
-            <a:rPr lang="de-DE" sz="2200" kern="1200" dirty="0" smtClean="0"/>
+            <a:rPr lang="de-DE" sz="2700" kern="1200" dirty="0" smtClean="0"/>
             <a:t>Einkauf beginnen</a:t>
           </a:r>
-          <a:endParaRPr lang="de-DE" sz="2200" kern="1200" dirty="0"/>
+          <a:endParaRPr lang="de-DE" sz="2700" kern="1200" dirty="0"/>
         </a:p>
       </dsp:txBody>
       <dsp:txXfrm>
@@ -4184,12 +4228,12 @@
         </a:fontRef>
       </dsp:style>
       <dsp:txBody>
-        <a:bodyPr spcFirstLastPara="0" vert="horz" wrap="square" lIns="88011" tIns="29337" rIns="29337" bIns="29337" numCol="1" spcCol="1270" anchor="ctr" anchorCtr="0">
+        <a:bodyPr spcFirstLastPara="0" vert="horz" wrap="square" lIns="108014" tIns="36005" rIns="36005" bIns="36005" numCol="1" spcCol="1270" anchor="ctr" anchorCtr="0">
           <a:noAutofit/>
         </a:bodyPr>
         <a:lstStyle/>
         <a:p>
-          <a:pPr lvl="0" algn="ctr" defTabSz="977900">
+          <a:pPr lvl="0" algn="ctr" defTabSz="1200150">
             <a:lnSpc>
               <a:spcPct val="90000"/>
             </a:lnSpc>
@@ -4201,10 +4245,10 @@
             </a:spcAft>
           </a:pPr>
           <a:r>
-            <a:rPr lang="de-DE" sz="2200" kern="1200" dirty="0" smtClean="0"/>
-            <a:t>Einkaufswagen bearbeiten</a:t>
+            <a:rPr lang="de-DE" sz="2700" kern="1200" dirty="0" smtClean="0"/>
+            <a:t>Einkaufen</a:t>
           </a:r>
-          <a:endParaRPr lang="de-DE" sz="2200" kern="1200" dirty="0"/>
+          <a:endParaRPr lang="de-DE" sz="2700" kern="1200" dirty="0"/>
         </a:p>
       </dsp:txBody>
       <dsp:txXfrm>
@@ -4267,12 +4311,12 @@
         </a:fontRef>
       </dsp:style>
       <dsp:txBody>
-        <a:bodyPr spcFirstLastPara="0" vert="horz" wrap="square" lIns="88011" tIns="29337" rIns="29337" bIns="29337" numCol="1" spcCol="1270" anchor="ctr" anchorCtr="0">
+        <a:bodyPr spcFirstLastPara="0" vert="horz" wrap="square" lIns="108014" tIns="36005" rIns="36005" bIns="36005" numCol="1" spcCol="1270" anchor="ctr" anchorCtr="0">
           <a:noAutofit/>
         </a:bodyPr>
         <a:lstStyle/>
         <a:p>
-          <a:pPr lvl="0" algn="ctr" defTabSz="977900">
+          <a:pPr lvl="0" algn="ctr" defTabSz="1200150">
             <a:lnSpc>
               <a:spcPct val="90000"/>
             </a:lnSpc>
@@ -4284,10 +4328,10 @@
             </a:spcAft>
           </a:pPr>
           <a:r>
-            <a:rPr lang="de-DE" sz="2200" kern="1200" dirty="0" smtClean="0"/>
+            <a:rPr lang="de-DE" sz="2700" kern="1200" dirty="0" smtClean="0"/>
             <a:t>Einkauf abschließen</a:t>
           </a:r>
-          <a:endParaRPr lang="de-DE" sz="2200" kern="1200" dirty="0"/>
+          <a:endParaRPr lang="de-DE" sz="2700" kern="1200" dirty="0"/>
         </a:p>
       </dsp:txBody>
       <dsp:txXfrm>
@@ -8332,7 +8376,7 @@
           <a:p>
             <a:fld id="{7ADF448B-267A-4B27-AD18-33F3BFC9AF03}" type="datetimeFigureOut">
               <a:rPr lang="de-DE" smtClean="0"/>
-              <a:t>07.11.2013</a:t>
+              <a:t>08.11.2013</a:t>
             </a:fld>
             <a:endParaRPr lang="de-DE"/>
           </a:p>
@@ -9048,7 +9092,7 @@
           <a:p>
             <a:fld id="{E58A3FBA-F9C2-4BCB-A798-A6326C98A649}" type="datetimeFigureOut">
               <a:rPr lang="de-DE" smtClean="0"/>
-              <a:t>07.11.2013</a:t>
+              <a:t>08.11.2013</a:t>
             </a:fld>
             <a:endParaRPr lang="de-DE"/>
           </a:p>
@@ -9213,7 +9257,7 @@
           <a:p>
             <a:fld id="{E58A3FBA-F9C2-4BCB-A798-A6326C98A649}" type="datetimeFigureOut">
               <a:rPr lang="de-DE" smtClean="0"/>
-              <a:t>07.11.2013</a:t>
+              <a:t>08.11.2013</a:t>
             </a:fld>
             <a:endParaRPr lang="de-DE"/>
           </a:p>
@@ -9388,7 +9432,7 @@
           <a:p>
             <a:fld id="{E58A3FBA-F9C2-4BCB-A798-A6326C98A649}" type="datetimeFigureOut">
               <a:rPr lang="de-DE" smtClean="0"/>
-              <a:t>07.11.2013</a:t>
+              <a:t>08.11.2013</a:t>
             </a:fld>
             <a:endParaRPr lang="de-DE"/>
           </a:p>
@@ -9571,7 +9615,7 @@
           <a:p>
             <a:fld id="{E58A3FBA-F9C2-4BCB-A798-A6326C98A649}" type="datetimeFigureOut">
               <a:rPr lang="de-DE" smtClean="0"/>
-              <a:t>07.11.2013</a:t>
+              <a:t>08.11.2013</a:t>
             </a:fld>
             <a:endParaRPr lang="de-DE"/>
           </a:p>
@@ -9833,7 +9877,7 @@
           <a:p>
             <a:fld id="{E58A3FBA-F9C2-4BCB-A798-A6326C98A649}" type="datetimeFigureOut">
               <a:rPr lang="de-DE" smtClean="0"/>
-              <a:t>07.11.2013</a:t>
+              <a:t>08.11.2013</a:t>
             </a:fld>
             <a:endParaRPr lang="de-DE"/>
           </a:p>
@@ -10181,7 +10225,7 @@
           <a:p>
             <a:fld id="{E58A3FBA-F9C2-4BCB-A798-A6326C98A649}" type="datetimeFigureOut">
               <a:rPr lang="de-DE" smtClean="0"/>
-              <a:t>07.11.2013</a:t>
+              <a:t>08.11.2013</a:t>
             </a:fld>
             <a:endParaRPr lang="de-DE"/>
           </a:p>
@@ -10489,7 +10533,7 @@
           <a:p>
             <a:fld id="{E58A3FBA-F9C2-4BCB-A798-A6326C98A649}" type="datetimeFigureOut">
               <a:rPr lang="de-DE" smtClean="0"/>
-              <a:t>07.11.2013</a:t>
+              <a:t>08.11.2013</a:t>
             </a:fld>
             <a:endParaRPr lang="de-DE"/>
           </a:p>
@@ -10716,7 +10760,7 @@
           <a:p>
             <a:fld id="{E58A3FBA-F9C2-4BCB-A798-A6326C98A649}" type="datetimeFigureOut">
               <a:rPr lang="de-DE" smtClean="0"/>
-              <a:t>07.11.2013</a:t>
+              <a:t>08.11.2013</a:t>
             </a:fld>
             <a:endParaRPr lang="de-DE"/>
           </a:p>
@@ -10806,7 +10850,7 @@
           <a:p>
             <a:fld id="{E58A3FBA-F9C2-4BCB-A798-A6326C98A649}" type="datetimeFigureOut">
               <a:rPr lang="de-DE" smtClean="0"/>
-              <a:t>07.11.2013</a:t>
+              <a:t>08.11.2013</a:t>
             </a:fld>
             <a:endParaRPr lang="de-DE"/>
           </a:p>
@@ -11094,7 +11138,7 @@
           <a:p>
             <a:fld id="{E58A3FBA-F9C2-4BCB-A798-A6326C98A649}" type="datetimeFigureOut">
               <a:rPr lang="de-DE" smtClean="0"/>
-              <a:t>07.11.2013</a:t>
+              <a:t>08.11.2013</a:t>
             </a:fld>
             <a:endParaRPr lang="de-DE"/>
           </a:p>
@@ -11363,7 +11407,7 @@
           <a:p>
             <a:fld id="{E58A3FBA-F9C2-4BCB-A798-A6326C98A649}" type="datetimeFigureOut">
               <a:rPr lang="de-DE" smtClean="0"/>
-              <a:t>07.11.2013</a:t>
+              <a:t>08.11.2013</a:t>
             </a:fld>
             <a:endParaRPr lang="de-DE"/>
           </a:p>
@@ -11573,7 +11617,7 @@
           <a:p>
             <a:fld id="{E58A3FBA-F9C2-4BCB-A798-A6326C98A649}" type="datetimeFigureOut">
               <a:rPr lang="de-DE" smtClean="0"/>
-              <a:t>07.11.2013</a:t>
+              <a:t>08.11.2013</a:t>
             </a:fld>
             <a:endParaRPr lang="de-DE"/>
           </a:p>
@@ -12585,7 +12629,6 @@
                         <a:rPr lang="de-DE" sz="2800" dirty="0" smtClean="0"/>
                         <a:t>Ausnahmefälle</a:t>
                       </a:r>
-                      <a:endParaRPr lang="de-DE" sz="2800" dirty="0" smtClean="0"/>
                     </a:p>
                   </a:txBody>
                   <a:tcPr marL="270000" marR="90000" marT="46800" marB="46800" anchor="ctr">
@@ -13253,7 +13296,6 @@
                         <a:rPr lang="de-DE" sz="2800" dirty="0" smtClean="0"/>
                         <a:t>Bei der Bezahlung werden folgende Daten übertragen</a:t>
                       </a:r>
-                      <a:endParaRPr lang="de-DE" sz="2800" dirty="0" smtClean="0"/>
                     </a:p>
                   </a:txBody>
                   <a:tcPr marL="270000" marR="90000" marT="46800" marB="46800" anchor="ctr">
@@ -13759,11 +13801,6 @@
                         </a:rPr>
                         <a:t> der Preise)</a:t>
                       </a:r>
-                      <a:endParaRPr lang="de-DE" sz="2400" baseline="0" dirty="0" smtClean="0">
-                        <a:latin typeface="Open Sans Condensed Light" pitchFamily="34" charset="0"/>
-                        <a:ea typeface="Open Sans Condensed Light" pitchFamily="34" charset="0"/>
-                        <a:cs typeface="Open Sans Condensed Light" pitchFamily="34" charset="0"/>
-                      </a:endParaRPr>
                     </a:p>
                   </a:txBody>
                   <a:tcPr marL="270000" marR="90000" marT="46800" marB="46800" anchor="ctr">
@@ -13818,11 +13855,6 @@
                         </a:rPr>
                         <a:t>Kurzfristige Ergebnisse (zeitliche Begrenzung des Projekts)</a:t>
                       </a:r>
-                      <a:endParaRPr lang="de-DE" sz="2400" baseline="0" dirty="0" smtClean="0">
-                        <a:latin typeface="Open Sans Condensed Light" pitchFamily="34" charset="0"/>
-                        <a:ea typeface="Open Sans Condensed Light" pitchFamily="34" charset="0"/>
-                        <a:cs typeface="Open Sans Condensed Light" pitchFamily="34" charset="0"/>
-                      </a:endParaRPr>
                     </a:p>
                   </a:txBody>
                   <a:tcPr marL="270000" marR="90000" marT="46800" marB="46800" anchor="ctr">
@@ -14799,7 +14831,7 @@
           <p:nvPr>
             <p:extLst>
               <p:ext uri="{D42A27DB-BD31-4B8C-83A1-F6EECF244321}">
-                <p14:modId xmlns:p14="http://schemas.microsoft.com/office/powerpoint/2010/main" val="3876491243"/>
+                <p14:modId xmlns:p14="http://schemas.microsoft.com/office/powerpoint/2010/main" val="27700422"/>
               </p:ext>
             </p:extLst>
           </p:nvPr>
@@ -15107,6 +15139,14 @@
                     <a:bodyPr/>
                     <a:lstStyle/>
                     <a:p>
+                      <a:r>
+                        <a:rPr lang="de-DE" sz="2000" dirty="0" smtClean="0">
+                          <a:latin typeface="Open Sans Condensed Light" pitchFamily="34" charset="0"/>
+                          <a:ea typeface="Open Sans Condensed Light" pitchFamily="34" charset="0"/>
+                          <a:cs typeface="Open Sans Condensed Light" pitchFamily="34" charset="0"/>
+                        </a:rPr>
+                        <a:t>Nicht offlinefähig</a:t>
+                      </a:r>
                       <a:endParaRPr lang="de-DE" sz="2000" dirty="0">
                         <a:latin typeface="Open Sans Condensed Light" pitchFamily="34" charset="0"/>
                         <a:ea typeface="Open Sans Condensed Light" pitchFamily="34" charset="0"/>
@@ -15404,14 +15444,6 @@
               </a:rPr>
               <a:t>Fachliche Grundlagen</a:t>
             </a:r>
-            <a:endParaRPr lang="de-DE" dirty="0" smtClean="0">
-              <a:solidFill>
-                <a:schemeClr val="tx1">
-                  <a:lumMod val="75000"/>
-                  <a:lumOff val="25000"/>
-                </a:schemeClr>
-              </a:solidFill>
-            </a:endParaRPr>
           </a:p>
           <a:p>
             <a:pPr lvl="1"/>
@@ -15426,14 +15458,6 @@
               </a:rPr>
               <a:t>Prozessbeschreibung</a:t>
             </a:r>
-            <a:endParaRPr lang="de-DE" dirty="0" smtClean="0">
-              <a:solidFill>
-                <a:schemeClr val="tx1">
-                  <a:lumMod val="75000"/>
-                  <a:lumOff val="25000"/>
-                </a:schemeClr>
-              </a:solidFill>
-            </a:endParaRPr>
           </a:p>
           <a:p>
             <a:pPr lvl="1"/>
@@ -15473,29 +15497,7 @@
                   </a:schemeClr>
                 </a:solidFill>
               </a:rPr>
-              <a:t>Vergleich: </a:t>
-            </a:r>
-            <a:r>
-              <a:rPr lang="de-DE" dirty="0" smtClean="0">
-                <a:solidFill>
-                  <a:schemeClr val="tx1">
-                    <a:lumMod val="75000"/>
-                    <a:lumOff val="25000"/>
-                  </a:schemeClr>
-                </a:solidFill>
-              </a:rPr>
-              <a:t>nativ </a:t>
-            </a:r>
-            <a:r>
-              <a:rPr lang="de-DE" dirty="0" smtClean="0">
-                <a:solidFill>
-                  <a:schemeClr val="tx1">
-                    <a:lumMod val="75000"/>
-                    <a:lumOff val="25000"/>
-                  </a:schemeClr>
-                </a:solidFill>
-              </a:rPr>
-              <a:t>/ web / hybrid</a:t>
+              <a:t>Vergleich: nativ / web / hybrid</a:t>
             </a:r>
           </a:p>
           <a:p>
@@ -18515,11 +18517,6 @@
                         </a:rPr>
                         <a:t>Ergänzende Bausteine</a:t>
                       </a:r>
-                      <a:endParaRPr lang="de-DE" sz="2400" dirty="0" smtClean="0">
-                        <a:solidFill>
-                          <a:schemeClr val="tx1"/>
-                        </a:solidFill>
-                      </a:endParaRPr>
                     </a:p>
                   </a:txBody>
                   <a:tcPr anchor="ctr">
@@ -19543,19 +19540,7 @@
               <a:rPr lang="de-DE" dirty="0" smtClean="0">
                 <a:latin typeface="+mj-lt"/>
               </a:rPr>
-              <a:t>[</a:t>
-            </a:r>
-            <a:r>
-              <a:rPr lang="de-DE" dirty="0" smtClean="0">
-                <a:latin typeface="+mj-lt"/>
-              </a:rPr>
-              <a:t>Mü12</a:t>
-            </a:r>
-            <a:r>
-              <a:rPr lang="de-DE" dirty="0" smtClean="0">
-                <a:latin typeface="+mj-lt"/>
-              </a:rPr>
-              <a:t>]</a:t>
+              <a:t>[Mü12]</a:t>
             </a:r>
             <a:endParaRPr lang="de-DE" sz="2400" dirty="0">
               <a:latin typeface="+mj-lt"/>
@@ -20437,15 +20422,14 @@
               </a:ext>
             </a:extLst>
           </a:blip>
-          <a:srcRect/>
           <a:stretch>
             <a:fillRect/>
           </a:stretch>
         </p:blipFill>
         <p:spPr bwMode="auto">
           <a:xfrm>
-            <a:off x="827584" y="1772816"/>
-            <a:ext cx="7704856" cy="4396606"/>
+            <a:off x="842490" y="1772816"/>
+            <a:ext cx="7675043" cy="4396606"/>
           </a:xfrm>
           <a:prstGeom prst="rect">
             <a:avLst/>
@@ -20563,24 +20547,13 @@
         </p:spPr>
         <p:txBody>
           <a:bodyPr>
-            <a:normAutofit/>
+            <a:normAutofit lnSpcReduction="10000"/>
           </a:bodyPr>
           <a:lstStyle/>
           <a:p>
             <a:pPr marL="0" indent="0" algn="ctr">
               <a:buNone/>
             </a:pPr>
-            <a:r>
-              <a:rPr lang="de-DE" sz="3200" dirty="0" err="1" smtClean="0">
-                <a:solidFill>
-                  <a:schemeClr val="tx1"/>
-                </a:solidFill>
-                <a:latin typeface="Open Sans Condensed Light" pitchFamily="34" charset="0"/>
-                <a:ea typeface="Open Sans Condensed Light" pitchFamily="34" charset="0"/>
-                <a:cs typeface="Open Sans Condensed Light" pitchFamily="34" charset="0"/>
-              </a:rPr>
-              <a:t>Self</a:t>
-            </a:r>
             <a:r>
               <a:rPr lang="de-DE" sz="3200" dirty="0" smtClean="0">
                 <a:solidFill>
@@ -20590,91 +20563,7 @@
                 <a:ea typeface="Open Sans Condensed Light" pitchFamily="34" charset="0"/>
                 <a:cs typeface="Open Sans Condensed Light" pitchFamily="34" charset="0"/>
               </a:rPr>
-              <a:t>-Scanning mithilfe des </a:t>
-            </a:r>
-            <a:r>
-              <a:rPr lang="de-DE" sz="3200" dirty="0" err="1" smtClean="0">
-                <a:solidFill>
-                  <a:schemeClr val="tx1"/>
-                </a:solidFill>
-                <a:latin typeface="Open Sans Condensed Light" pitchFamily="34" charset="0"/>
-                <a:ea typeface="Open Sans Condensed Light" pitchFamily="34" charset="0"/>
-                <a:cs typeface="Open Sans Condensed Light" pitchFamily="34" charset="0"/>
-              </a:rPr>
-              <a:t>Smartphones</a:t>
-            </a:r>
-            <a:r>
-              <a:rPr lang="de-DE" sz="3200" dirty="0" smtClean="0">
-                <a:solidFill>
-                  <a:schemeClr val="tx1"/>
-                </a:solidFill>
-                <a:latin typeface="Open Sans Condensed Light" pitchFamily="34" charset="0"/>
-                <a:ea typeface="Open Sans Condensed Light" pitchFamily="34" charset="0"/>
-                <a:cs typeface="Open Sans Condensed Light" pitchFamily="34" charset="0"/>
-              </a:rPr>
-              <a:t> ist</a:t>
-            </a:r>
-          </a:p>
-          <a:p>
-            <a:pPr marL="0" indent="0" algn="ctr">
-              <a:buNone/>
-            </a:pPr>
-            <a:r>
-              <a:rPr lang="de-DE" sz="3200" dirty="0" smtClean="0">
-                <a:solidFill>
-                  <a:schemeClr val="tx1"/>
-                </a:solidFill>
-                <a:latin typeface="Open Sans Condensed Light" pitchFamily="34" charset="0"/>
-                <a:ea typeface="Open Sans Condensed Light" pitchFamily="34" charset="0"/>
-                <a:cs typeface="Open Sans Condensed Light" pitchFamily="34" charset="0"/>
-              </a:rPr>
-              <a:t>– </a:t>
-            </a:r>
-            <a:r>
-              <a:rPr lang="de-DE" sz="3200" b="1" dirty="0" smtClean="0">
-                <a:solidFill>
-                  <a:schemeClr val="tx1"/>
-                </a:solidFill>
-                <a:latin typeface="Open Sans Condensed Light" pitchFamily="34" charset="0"/>
-                <a:ea typeface="Open Sans Condensed Light" pitchFamily="34" charset="0"/>
-                <a:cs typeface="Open Sans Condensed Light" pitchFamily="34" charset="0"/>
-              </a:rPr>
-              <a:t>auch unter den besonderen Umständen von ALDI SÜD </a:t>
-            </a:r>
-            <a:r>
-              <a:rPr lang="de-DE" sz="3200" dirty="0">
-                <a:solidFill>
-                  <a:schemeClr val="tx1"/>
-                </a:solidFill>
-                <a:latin typeface="Open Sans Condensed Light" pitchFamily="34" charset="0"/>
-                <a:ea typeface="Open Sans Condensed Light" pitchFamily="34" charset="0"/>
-                <a:cs typeface="Open Sans Condensed Light" pitchFamily="34" charset="0"/>
-              </a:rPr>
-              <a:t>–</a:t>
-            </a:r>
-            <a:endParaRPr lang="de-DE" sz="3200" dirty="0" smtClean="0">
-              <a:solidFill>
-                <a:schemeClr val="tx1"/>
-              </a:solidFill>
-              <a:latin typeface="Open Sans Condensed Light" pitchFamily="34" charset="0"/>
-              <a:ea typeface="Open Sans Condensed Light" pitchFamily="34" charset="0"/>
-              <a:cs typeface="Open Sans Condensed Light" pitchFamily="34" charset="0"/>
-            </a:endParaRPr>
-          </a:p>
-          <a:p>
-            <a:pPr marL="0" indent="0" algn="ctr">
-              <a:buNone/>
-            </a:pPr>
-            <a:r>
-              <a:rPr lang="de-DE" sz="3200" dirty="0" smtClean="0">
-                <a:solidFill>
-                  <a:schemeClr val="tx1"/>
-                </a:solidFill>
-                <a:latin typeface="Open Sans Condensed Light" pitchFamily="34" charset="0"/>
-                <a:ea typeface="Open Sans Condensed Light" pitchFamily="34" charset="0"/>
-                <a:cs typeface="Open Sans Condensed Light" pitchFamily="34" charset="0"/>
-              </a:rPr>
-              <a:t>realisierbar</a:t>
+              <a:t>Das Grundgerüst der Anwendung ist erkennbar</a:t>
             </a:r>
           </a:p>
           <a:p>
@@ -20703,26 +20592,19 @@
                 <a:ea typeface="Open Sans Condensed Light" pitchFamily="34" charset="0"/>
                 <a:cs typeface="Open Sans Condensed Light" pitchFamily="34" charset="0"/>
               </a:rPr>
-              <a:t>Mehr Zeit für Entwicklung einplanen</a:t>
-            </a:r>
-          </a:p>
-          <a:p>
-            <a:pPr marL="0" indent="0" algn="ctr">
-              <a:buNone/>
-            </a:pPr>
-            <a:endParaRPr lang="de-DE" sz="3200" dirty="0" smtClean="0">
-              <a:solidFill>
-                <a:schemeClr val="tx1"/>
-              </a:solidFill>
-              <a:latin typeface="Open Sans Condensed Light" pitchFamily="34" charset="0"/>
-              <a:ea typeface="Open Sans Condensed Light" pitchFamily="34" charset="0"/>
-              <a:cs typeface="Open Sans Condensed Light" pitchFamily="34" charset="0"/>
-            </a:endParaRPr>
-          </a:p>
-          <a:p>
-            <a:pPr marL="0" indent="0" algn="ctr">
-              <a:buNone/>
-            </a:pPr>
+              <a:t>Zur tatsächlichen Verwendung als Prototypen ist eine </a:t>
+            </a:r>
+            <a:r>
+              <a:rPr lang="de-DE" sz="3200" dirty="0" err="1" smtClean="0">
+                <a:solidFill>
+                  <a:schemeClr val="tx1"/>
+                </a:solidFill>
+                <a:latin typeface="Open Sans Condensed Light" pitchFamily="34" charset="0"/>
+                <a:ea typeface="Open Sans Condensed Light" pitchFamily="34" charset="0"/>
+                <a:cs typeface="Open Sans Condensed Light" pitchFamily="34" charset="0"/>
+              </a:rPr>
+              <a:t>Stabilizing</a:t>
+            </a:r>
             <a:r>
               <a:rPr lang="de-DE" sz="3200" dirty="0" smtClean="0">
                 <a:solidFill>
@@ -20732,8 +20614,13 @@
                 <a:ea typeface="Open Sans Condensed Light" pitchFamily="34" charset="0"/>
                 <a:cs typeface="Open Sans Condensed Light" pitchFamily="34" charset="0"/>
               </a:rPr>
-              <a:t>Langfristig als native App entwickeln (UX und Performance)</a:t>
-            </a:r>
+              <a:t>-Phase notwendig</a:t>
+            </a:r>
+          </a:p>
+          <a:p>
+            <a:pPr marL="0" indent="0" algn="ctr">
+              <a:buNone/>
+            </a:pPr>
             <a:endParaRPr lang="de-DE" sz="3200" dirty="0">
               <a:solidFill>
                 <a:schemeClr val="tx1"/>
@@ -20742,6 +20629,68 @@
               <a:ea typeface="Open Sans Condensed Light" pitchFamily="34" charset="0"/>
               <a:cs typeface="Open Sans Condensed Light" pitchFamily="34" charset="0"/>
             </a:endParaRPr>
+          </a:p>
+          <a:p>
+            <a:pPr marL="0" indent="0" algn="ctr">
+              <a:buNone/>
+            </a:pPr>
+            <a:r>
+              <a:rPr lang="de-DE" sz="3200" dirty="0" err="1" smtClean="0">
+                <a:solidFill>
+                  <a:schemeClr val="tx1"/>
+                </a:solidFill>
+                <a:latin typeface="Open Sans Condensed Light" pitchFamily="34" charset="0"/>
+                <a:ea typeface="Open Sans Condensed Light" pitchFamily="34" charset="0"/>
+                <a:cs typeface="Open Sans Condensed Light" pitchFamily="34" charset="0"/>
+              </a:rPr>
+              <a:t>Lessons</a:t>
+            </a:r>
+            <a:r>
+              <a:rPr lang="de-DE" sz="3200" dirty="0" smtClean="0">
+                <a:solidFill>
+                  <a:schemeClr val="tx1"/>
+                </a:solidFill>
+                <a:latin typeface="Open Sans Condensed Light" pitchFamily="34" charset="0"/>
+                <a:ea typeface="Open Sans Condensed Light" pitchFamily="34" charset="0"/>
+                <a:cs typeface="Open Sans Condensed Light" pitchFamily="34" charset="0"/>
+              </a:rPr>
+              <a:t> </a:t>
+            </a:r>
+            <a:r>
+              <a:rPr lang="de-DE" sz="3200" dirty="0" err="1" smtClean="0">
+                <a:solidFill>
+                  <a:schemeClr val="tx1"/>
+                </a:solidFill>
+                <a:latin typeface="Open Sans Condensed Light" pitchFamily="34" charset="0"/>
+                <a:ea typeface="Open Sans Condensed Light" pitchFamily="34" charset="0"/>
+                <a:cs typeface="Open Sans Condensed Light" pitchFamily="34" charset="0"/>
+              </a:rPr>
+              <a:t>Learned</a:t>
+            </a:r>
+            <a:endParaRPr lang="de-DE" sz="3200" dirty="0">
+              <a:solidFill>
+                <a:schemeClr val="tx1"/>
+              </a:solidFill>
+              <a:latin typeface="Open Sans Condensed Light" pitchFamily="34" charset="0"/>
+              <a:ea typeface="Open Sans Condensed Light" pitchFamily="34" charset="0"/>
+              <a:cs typeface="Open Sans Condensed Light" pitchFamily="34" charset="0"/>
+            </a:endParaRPr>
+          </a:p>
+          <a:p>
+            <a:pPr marL="0" indent="0" algn="ctr">
+              <a:buNone/>
+            </a:pPr>
+            <a:r>
+              <a:rPr lang="de-DE" sz="3200" dirty="0" smtClean="0">
+                <a:solidFill>
+                  <a:schemeClr val="tx1"/>
+                </a:solidFill>
+                <a:latin typeface="Open Sans Condensed Light" pitchFamily="34" charset="0"/>
+                <a:ea typeface="Open Sans Condensed Light" pitchFamily="34" charset="0"/>
+                <a:cs typeface="Open Sans Condensed Light" pitchFamily="34" charset="0"/>
+              </a:rPr>
+              <a:t>Die eigentliche Idee ist simpel – das zugrundeliegende Konzept wurde unterschätzt.</a:t>
+            </a:r>
           </a:p>
         </p:txBody>
       </p:sp>
@@ -20817,8 +20766,44 @@
         </p:nvSpPr>
         <p:spPr/>
         <p:txBody>
-          <a:bodyPr anchor="ctr"/>
+          <a:bodyPr anchor="ctr">
+            <a:normAutofit/>
+          </a:bodyPr>
           <a:lstStyle/>
+          <a:p>
+            <a:r>
+              <a:rPr lang="de-DE" dirty="0" err="1" smtClean="0">
+                <a:solidFill>
+                  <a:schemeClr val="tx1"/>
+                </a:solidFill>
+                <a:latin typeface="+mn-lt"/>
+                <a:ea typeface="Open Sans Condensed Light" pitchFamily="34" charset="0"/>
+                <a:cs typeface="Open Sans Condensed Light" pitchFamily="34" charset="0"/>
+              </a:rPr>
+              <a:t>Stabilizing</a:t>
+            </a:r>
+            <a:r>
+              <a:rPr lang="de-DE" dirty="0" smtClean="0">
+                <a:solidFill>
+                  <a:schemeClr val="tx1"/>
+                </a:solidFill>
+                <a:latin typeface="+mn-lt"/>
+                <a:ea typeface="Open Sans Condensed Light" pitchFamily="34" charset="0"/>
+                <a:cs typeface="Open Sans Condensed Light" pitchFamily="34" charset="0"/>
+              </a:rPr>
+              <a:t>-Phase</a:t>
+            </a:r>
+          </a:p>
+          <a:p>
+            <a:endParaRPr lang="de-DE" dirty="0" smtClean="0">
+              <a:solidFill>
+                <a:schemeClr val="tx1"/>
+              </a:solidFill>
+              <a:latin typeface="+mn-lt"/>
+              <a:ea typeface="Open Sans Condensed Light" pitchFamily="34" charset="0"/>
+              <a:cs typeface="Open Sans Condensed Light" pitchFamily="34" charset="0"/>
+            </a:endParaRPr>
+          </a:p>
           <a:p>
             <a:r>
               <a:rPr lang="de-DE" dirty="0" smtClean="0">
@@ -20869,43 +20854,9 @@
             </a:endParaRPr>
           </a:p>
           <a:p>
-            <a:endParaRPr lang="de-DE" dirty="0" smtClean="0">
-              <a:solidFill>
-                <a:schemeClr val="tx1"/>
-              </a:solidFill>
-              <a:latin typeface="+mn-lt"/>
-              <a:ea typeface="Open Sans Condensed Light" pitchFamily="34" charset="0"/>
-              <a:cs typeface="Open Sans Condensed Light" pitchFamily="34" charset="0"/>
-            </a:endParaRPr>
-          </a:p>
-          <a:p>
-            <a:r>
-              <a:rPr lang="de-DE" dirty="0" smtClean="0">
-                <a:solidFill>
-                  <a:schemeClr val="tx1"/>
-                </a:solidFill>
-                <a:latin typeface="+mn-lt"/>
-                <a:ea typeface="Open Sans Condensed Light" pitchFamily="34" charset="0"/>
-                <a:cs typeface="Open Sans Condensed Light" pitchFamily="34" charset="0"/>
-              </a:rPr>
-              <a:t>Nächste Entwicklungsiteration auf Grundlage des Prototypen</a:t>
-            </a:r>
-          </a:p>
-          <a:p>
-            <a:pPr lvl="1"/>
-            <a:r>
-              <a:rPr lang="de-DE" sz="2000" dirty="0" smtClean="0">
-                <a:solidFill>
-                  <a:schemeClr val="tx1"/>
-                </a:solidFill>
-                <a:latin typeface="Open Sans Condensed Light" pitchFamily="34" charset="0"/>
-                <a:ea typeface="Open Sans Condensed Light" pitchFamily="34" charset="0"/>
-                <a:cs typeface="Open Sans Condensed Light" pitchFamily="34" charset="0"/>
-              </a:rPr>
-              <a:t>Gibt es Anforderungen, die vergessen wurden?</a:t>
-            </a:r>
-          </a:p>
-          <a:p>
+            <a:pPr marL="0" indent="0">
+              <a:buNone/>
+            </a:pPr>
             <a:endParaRPr lang="de-DE" dirty="0">
               <a:solidFill>
                 <a:schemeClr val="tx1"/>
@@ -21069,6 +21020,158 @@
           <a:lstStyle/>
           <a:p>
             <a:r>
+              <a:rPr lang="de-DE" dirty="0" err="1" smtClean="0"/>
+              <a:t>Let‘s</a:t>
+            </a:r>
+            <a:r>
+              <a:rPr lang="de-DE" dirty="0" smtClean="0"/>
+              <a:t> </a:t>
+            </a:r>
+            <a:r>
+              <a:rPr lang="de-DE" dirty="0" err="1" smtClean="0"/>
+              <a:t>try</a:t>
+            </a:r>
+            <a:r>
+              <a:rPr lang="de-DE" dirty="0" smtClean="0"/>
+              <a:t> </a:t>
+            </a:r>
+            <a:r>
+              <a:rPr lang="de-DE" dirty="0" err="1" smtClean="0"/>
+              <a:t>it</a:t>
+            </a:r>
+            <a:endParaRPr lang="de-DE" dirty="0"/>
+          </a:p>
+        </p:txBody>
+      </p:sp>
+      <p:sp>
+        <p:nvSpPr>
+          <p:cNvPr id="3" name="Inhaltsplatzhalter 2"/>
+          <p:cNvSpPr>
+            <a:spLocks noGrp="1"/>
+          </p:cNvSpPr>
+          <p:nvPr>
+            <p:ph idx="1"/>
+          </p:nvPr>
+        </p:nvSpPr>
+        <p:spPr>
+          <a:xfrm>
+            <a:off x="467544" y="5157192"/>
+            <a:ext cx="8229600" cy="532656"/>
+          </a:xfrm>
+        </p:spPr>
+        <p:txBody>
+          <a:bodyPr>
+            <a:noAutofit/>
+          </a:bodyPr>
+          <a:lstStyle/>
+          <a:p>
+            <a:pPr marL="0" indent="0" algn="ctr">
+              <a:buNone/>
+            </a:pPr>
+            <a:r>
+              <a:rPr lang="de-DE" sz="3200" dirty="0">
+                <a:hlinkClick r:id="rId2"/>
+              </a:rPr>
+              <a:t>http://192.168.4.233/ss-proto/</a:t>
+            </a:r>
+            <a:endParaRPr lang="de-DE" sz="3200" dirty="0"/>
+          </a:p>
+        </p:txBody>
+      </p:sp>
+      <p:pic>
+        <p:nvPicPr>
+          <p:cNvPr id="1026" name="Picture 2" descr="C:\Users\internetclientadmin\ss-proto\presentation\ihr_qr_code_ohne_logo.jpg"/>
+          <p:cNvPicPr>
+            <a:picLocks noChangeAspect="1" noChangeArrowheads="1"/>
+          </p:cNvPicPr>
+          <p:nvPr/>
+        </p:nvPicPr>
+        <p:blipFill>
+          <a:blip r:embed="rId3">
+            <a:extLst>
+              <a:ext uri="{28A0092B-C50C-407E-A947-70E740481C1C}">
+                <a14:useLocalDpi xmlns:a14="http://schemas.microsoft.com/office/drawing/2010/main" val="0"/>
+              </a:ext>
+            </a:extLst>
+          </a:blip>
+          <a:srcRect/>
+          <a:stretch>
+            <a:fillRect/>
+          </a:stretch>
+        </p:blipFill>
+        <p:spPr bwMode="auto">
+          <a:xfrm>
+            <a:off x="3131840" y="1797918"/>
+            <a:ext cx="3143250" cy="3143250"/>
+          </a:xfrm>
+          <a:prstGeom prst="rect">
+            <a:avLst/>
+          </a:prstGeom>
+          <a:noFill/>
+          <a:extLst>
+            <a:ext uri="{909E8E84-426E-40DD-AFC4-6F175D3DCCD1}">
+              <a14:hiddenFill xmlns:a14="http://schemas.microsoft.com/office/drawing/2010/main">
+                <a:solidFill>
+                  <a:srgbClr val="FFFFFF"/>
+                </a:solidFill>
+              </a14:hiddenFill>
+            </a:ext>
+          </a:extLst>
+        </p:spPr>
+      </p:pic>
+    </p:spTree>
+    <p:extLst>
+      <p:ext uri="{BB962C8B-B14F-4D97-AF65-F5344CB8AC3E}">
+        <p14:creationId xmlns:p14="http://schemas.microsoft.com/office/powerpoint/2010/main" val="2473089945"/>
+      </p:ext>
+    </p:extLst>
+  </p:cSld>
+  <p:clrMapOvr>
+    <a:masterClrMapping/>
+  </p:clrMapOvr>
+  <p:timing>
+    <p:tnLst>
+      <p:par>
+        <p:cTn id="1" dur="indefinite" restart="never" nodeType="tmRoot"/>
+      </p:par>
+    </p:tnLst>
+  </p:timing>
+</p:sld>
+</file>
+
+<file path=ppt/slides/slide37.xml><?xml version="1.0" encoding="utf-8"?>
+<p:sld xmlns:a="http://schemas.openxmlformats.org/drawingml/2006/main" xmlns:r="http://schemas.openxmlformats.org/officeDocument/2006/relationships" xmlns:p="http://schemas.openxmlformats.org/presentationml/2006/main">
+  <p:cSld>
+    <p:spTree>
+      <p:nvGrpSpPr>
+        <p:cNvPr id="1" name=""/>
+        <p:cNvGrpSpPr/>
+        <p:nvPr/>
+      </p:nvGrpSpPr>
+      <p:grpSpPr>
+        <a:xfrm>
+          <a:off x="0" y="0"/>
+          <a:ext cx="0" cy="0"/>
+          <a:chOff x="0" y="0"/>
+          <a:chExt cx="0" cy="0"/>
+        </a:xfrm>
+      </p:grpSpPr>
+      <p:sp>
+        <p:nvSpPr>
+          <p:cNvPr id="2" name="Titel 1"/>
+          <p:cNvSpPr>
+            <a:spLocks noGrp="1"/>
+          </p:cNvSpPr>
+          <p:nvPr>
+            <p:ph type="title"/>
+          </p:nvPr>
+        </p:nvSpPr>
+        <p:spPr/>
+        <p:txBody>
+          <a:bodyPr/>
+          <a:lstStyle/>
+          <a:p>
+            <a:r>
               <a:rPr lang="de-DE" dirty="0" smtClean="0"/>
               <a:t>Quellen</a:t>
             </a:r>
@@ -21441,7 +21544,7 @@
             <p:ph idx="1"/>
             <p:extLst>
               <p:ext uri="{D42A27DB-BD31-4B8C-83A1-F6EECF244321}">
-                <p14:modId xmlns:p14="http://schemas.microsoft.com/office/powerpoint/2010/main" val="2037934396"/>
+                <p14:modId xmlns:p14="http://schemas.microsoft.com/office/powerpoint/2010/main" val="3884406293"/>
               </p:ext>
             </p:extLst>
           </p:nvPr>
@@ -22039,7 +22142,7 @@
           <p:nvPr>
             <p:extLst>
               <p:ext uri="{D42A27DB-BD31-4B8C-83A1-F6EECF244321}">
-                <p14:modId xmlns:p14="http://schemas.microsoft.com/office/powerpoint/2010/main" val="1670516771"/>
+                <p14:modId xmlns:p14="http://schemas.microsoft.com/office/powerpoint/2010/main" val="414942326"/>
               </p:ext>
             </p:extLst>
           </p:nvPr>
@@ -22092,7 +22195,6 @@
                         <a:rPr lang="de-DE" sz="2800" dirty="0" smtClean="0"/>
                         <a:t>Artikel und Preise sollen</a:t>
                       </a:r>
-                      <a:endParaRPr lang="de-DE" sz="2800" dirty="0" smtClean="0"/>
                     </a:p>
                   </a:txBody>
                   <a:tcPr marL="270000" marR="90000" marT="46800" marB="46800">
@@ -22341,8 +22443,21 @@
                           <a:ea typeface="Open Sans Condensed Light" pitchFamily="34" charset="0"/>
                           <a:cs typeface="Open Sans Condensed Light" pitchFamily="34" charset="0"/>
                         </a:rPr>
-                        <a:t>d)   mit aktuellen Preisen übereinstimmten</a:t>
+                        <a:t>d)   mit aktuellen Preisen </a:t>
                       </a:r>
+                      <a:r>
+                        <a:rPr lang="de-DE" sz="2400" baseline="0" dirty="0" smtClean="0">
+                          <a:latin typeface="Open Sans Condensed Light" pitchFamily="34" charset="0"/>
+                          <a:ea typeface="Open Sans Condensed Light" pitchFamily="34" charset="0"/>
+                          <a:cs typeface="Open Sans Condensed Light" pitchFamily="34" charset="0"/>
+                        </a:rPr>
+                        <a:t>übereinstimmen</a:t>
+                      </a:r>
+                      <a:endParaRPr lang="de-DE" sz="2400" baseline="0" dirty="0" smtClean="0">
+                        <a:latin typeface="Open Sans Condensed Light" pitchFamily="34" charset="0"/>
+                        <a:ea typeface="Open Sans Condensed Light" pitchFamily="34" charset="0"/>
+                        <a:cs typeface="Open Sans Condensed Light" pitchFamily="34" charset="0"/>
+                      </a:endParaRPr>
                     </a:p>
                   </a:txBody>
                   <a:tcPr marL="270000" marR="90000" marT="46800" marB="46800">
@@ -22484,7 +22599,6 @@
                         <a:rPr lang="de-DE" sz="2800" dirty="0" smtClean="0"/>
                         <a:t>Details im Einkaufswagen</a:t>
                       </a:r>
-                      <a:endParaRPr lang="de-DE" sz="2800" dirty="0" smtClean="0"/>
                     </a:p>
                   </a:txBody>
                   <a:tcPr marL="270000" marR="90000" marT="46800" marB="46800" anchor="ctr">
